--- a/spring13/slides13/truth-tables.pptx
+++ b/spring13/slides13/truth-tables.pptx
@@ -28,7 +28,7 @@
     <p:sldId id="459" r:id="rId16"/>
   </p:sldIdLst>
   <p:sldSz cx="9144000" cy="6858000" type="screen4x3"/>
-  <p:notesSz cx="7315200" cy="9601200"/>
+  <p:notesSz cx="9601200" cy="7315200"/>
   <p:custDataLst>
     <p:tags r:id="rId20"/>
   </p:custDataLst>
@@ -198,7 +198,7 @@
         <p:spPr bwMode="auto">
           <a:xfrm>
             <a:off x="0" y="0"/>
-            <a:ext cx="3170238" cy="479425"/>
+            <a:ext cx="4160937" cy="365276"/>
           </a:xfrm>
           <a:prstGeom prst="rect">
             <a:avLst/>
@@ -243,8 +243,8 @@
         </p:nvSpPr>
         <p:spPr bwMode="auto">
           <a:xfrm>
-            <a:off x="4143375" y="0"/>
-            <a:ext cx="3170238" cy="479425"/>
+            <a:off x="5438180" y="0"/>
+            <a:ext cx="4160937" cy="365276"/>
           </a:xfrm>
           <a:prstGeom prst="rect">
             <a:avLst/>
@@ -289,8 +289,8 @@
         </p:nvSpPr>
         <p:spPr bwMode="auto">
           <a:xfrm>
-            <a:off x="0" y="9120188"/>
-            <a:ext cx="3170238" cy="479425"/>
+            <a:off x="0" y="6948715"/>
+            <a:ext cx="4160937" cy="365276"/>
           </a:xfrm>
           <a:prstGeom prst="rect">
             <a:avLst/>
@@ -335,8 +335,8 @@
         </p:nvSpPr>
         <p:spPr bwMode="auto">
           <a:xfrm>
-            <a:off x="4143375" y="9120188"/>
-            <a:ext cx="3170238" cy="479425"/>
+            <a:off x="5438180" y="6948715"/>
+            <a:ext cx="4160937" cy="365276"/>
           </a:xfrm>
           <a:prstGeom prst="rect">
             <a:avLst/>
@@ -425,7 +425,7 @@
         <p:spPr bwMode="auto">
           <a:xfrm>
             <a:off x="0" y="0"/>
-            <a:ext cx="3170238" cy="479425"/>
+            <a:ext cx="4160937" cy="365276"/>
           </a:xfrm>
           <a:prstGeom prst="rect">
             <a:avLst/>
@@ -470,8 +470,8 @@
         </p:nvSpPr>
         <p:spPr bwMode="auto">
           <a:xfrm>
-            <a:off x="4144963" y="0"/>
-            <a:ext cx="3170237" cy="479425"/>
+            <a:off x="5440265" y="0"/>
+            <a:ext cx="4160936" cy="365276"/>
           </a:xfrm>
           <a:prstGeom prst="rect">
             <a:avLst/>
@@ -516,8 +516,8 @@
         </p:nvSpPr>
         <p:spPr bwMode="auto">
           <a:xfrm>
-            <a:off x="1257300" y="720725"/>
-            <a:ext cx="4800600" cy="3600450"/>
+            <a:off x="2971800" y="549275"/>
+            <a:ext cx="3657600" cy="2743200"/>
           </a:xfrm>
           <a:prstGeom prst="rect">
             <a:avLst/>
@@ -545,8 +545,8 @@
         </p:nvSpPr>
         <p:spPr bwMode="auto">
           <a:xfrm>
-            <a:off x="974725" y="4560888"/>
-            <a:ext cx="5365750" cy="4319587"/>
+            <a:off x="1279327" y="3474963"/>
+            <a:ext cx="7042547" cy="3291114"/>
           </a:xfrm>
           <a:prstGeom prst="rect">
             <a:avLst/>
@@ -616,8 +616,8 @@
         </p:nvSpPr>
         <p:spPr bwMode="auto">
           <a:xfrm>
-            <a:off x="0" y="9121775"/>
-            <a:ext cx="3170238" cy="479425"/>
+            <a:off x="0" y="6949924"/>
+            <a:ext cx="4160937" cy="365276"/>
           </a:xfrm>
           <a:prstGeom prst="rect">
             <a:avLst/>
@@ -662,8 +662,8 @@
         </p:nvSpPr>
         <p:spPr bwMode="auto">
           <a:xfrm>
-            <a:off x="4144963" y="9121775"/>
-            <a:ext cx="3170237" cy="479425"/>
+            <a:off x="5440265" y="6949924"/>
+            <a:ext cx="4160936" cy="365276"/>
           </a:xfrm>
           <a:prstGeom prst="rect">
             <a:avLst/>
@@ -14082,7 +14082,7 @@
           <a:graphicData uri="http://schemas.openxmlformats.org/presentationml/2006/ole">
             <mc:AlternateContent xmlns:mc="http://schemas.openxmlformats.org/markup-compatibility/2006">
               <mc:Choice xmlns:v="urn:schemas-microsoft-com:vml" Requires="v">
-                <p:oleObj spid="_x0000_s402628" name="Equation" r:id="rId4" imgW="800100" imgH="228600" progId="Equation.DSMT4">
+                <p:oleObj spid="_x0000_s402633" name="Equation" r:id="rId4" imgW="800100" imgH="228600" progId="Equation.DSMT4">
                   <p:embed/>
                 </p:oleObj>
               </mc:Choice>
@@ -14144,7 +14144,7 @@
           <a:graphicData uri="http://schemas.openxmlformats.org/presentationml/2006/ole">
             <mc:AlternateContent xmlns:mc="http://schemas.openxmlformats.org/markup-compatibility/2006">
               <mc:Choice xmlns:v="urn:schemas-microsoft-com:vml" Requires="v">
-                <p:oleObj spid="_x0000_s402629" name="Equation" r:id="rId6" imgW="622300" imgH="241300" progId="Equation.DSMT4">
+                <p:oleObj spid="_x0000_s402634" name="Equation" r:id="rId6" imgW="622300" imgH="241300" progId="Equation.DSMT4">
                   <p:embed/>
                 </p:oleObj>
               </mc:Choice>
@@ -14252,7 +14252,7 @@
             <a:graphicData uri="http://schemas.openxmlformats.org/presentationml/2006/ole">
               <mc:AlternateContent xmlns:mc="http://schemas.openxmlformats.org/markup-compatibility/2006">
                 <mc:Choice xmlns:v="urn:schemas-microsoft-com:vml" Requires="v">
-                  <p:oleObj spid="_x0000_s402630" name="Equation" r:id="rId8" imgW="622300" imgH="241300" progId="Equation.DSMT4">
+                  <p:oleObj spid="_x0000_s402635" name="Equation" r:id="rId8" imgW="622300" imgH="241300" progId="Equation.DSMT4">
                     <p:embed/>
                   </p:oleObj>
                 </mc:Choice>
@@ -14309,7 +14309,7 @@
             <a:graphicData uri="http://schemas.openxmlformats.org/presentationml/2006/ole">
               <mc:AlternateContent xmlns:mc="http://schemas.openxmlformats.org/markup-compatibility/2006">
                 <mc:Choice xmlns:v="urn:schemas-microsoft-com:vml" Requires="v">
-                  <p:oleObj spid="_x0000_s402631" name="Equation" r:id="rId9" imgW="609600" imgH="304800" progId="Equation.DSMT4">
+                  <p:oleObj spid="_x0000_s402636" name="Equation" r:id="rId9" imgW="609600" imgH="304800" progId="Equation.DSMT4">
                     <p:embed/>
                   </p:oleObj>
                 </mc:Choice>
@@ -17422,7 +17422,7 @@
           <a:graphicData uri="http://schemas.openxmlformats.org/presentationml/2006/ole">
             <mc:AlternateContent xmlns:mc="http://schemas.openxmlformats.org/markup-compatibility/2006">
               <mc:Choice xmlns:v="urn:schemas-microsoft-com:vml" Requires="v">
-                <p:oleObj spid="_x0000_s414773" name="Equation" r:id="rId4" imgW="800100" imgH="228600" progId="Equation.DSMT4">
+                <p:oleObj spid="_x0000_s414778" name="Equation" r:id="rId4" imgW="800100" imgH="228600" progId="Equation.DSMT4">
                   <p:embed/>
                 </p:oleObj>
               </mc:Choice>
@@ -17484,7 +17484,7 @@
           <a:graphicData uri="http://schemas.openxmlformats.org/presentationml/2006/ole">
             <mc:AlternateContent xmlns:mc="http://schemas.openxmlformats.org/markup-compatibility/2006">
               <mc:Choice xmlns:v="urn:schemas-microsoft-com:vml" Requires="v">
-                <p:oleObj spid="_x0000_s414774" name="Equation" r:id="rId6" imgW="622300" imgH="241300" progId="Equation.DSMT4">
+                <p:oleObj spid="_x0000_s414779" name="Equation" r:id="rId6" imgW="622300" imgH="241300" progId="Equation.DSMT4">
                   <p:embed/>
                 </p:oleObj>
               </mc:Choice>
@@ -17592,7 +17592,7 @@
             <a:graphicData uri="http://schemas.openxmlformats.org/presentationml/2006/ole">
               <mc:AlternateContent xmlns:mc="http://schemas.openxmlformats.org/markup-compatibility/2006">
                 <mc:Choice xmlns:v="urn:schemas-microsoft-com:vml" Requires="v">
-                  <p:oleObj spid="_x0000_s414775" name="Equation" r:id="rId8" imgW="622300" imgH="241300" progId="Equation.DSMT4">
+                  <p:oleObj spid="_x0000_s414780" name="Equation" r:id="rId8" imgW="622300" imgH="241300" progId="Equation.DSMT4">
                     <p:embed/>
                   </p:oleObj>
                 </mc:Choice>
@@ -17649,7 +17649,7 @@
             <a:graphicData uri="http://schemas.openxmlformats.org/presentationml/2006/ole">
               <mc:AlternateContent xmlns:mc="http://schemas.openxmlformats.org/markup-compatibility/2006">
                 <mc:Choice xmlns:v="urn:schemas-microsoft-com:vml" Requires="v">
-                  <p:oleObj spid="_x0000_s414776" name="Equation" r:id="rId9" imgW="609600" imgH="304800" progId="Equation.DSMT4">
+                  <p:oleObj spid="_x0000_s414781" name="Equation" r:id="rId9" imgW="609600" imgH="304800" progId="Equation.DSMT4">
                     <p:embed/>
                   </p:oleObj>
                 </mc:Choice>
